--- a/4. 프로젝트발표양식.pptx
+++ b/4. 프로젝트발표양식.pptx
@@ -233,7 +233,7 @@
           <a:p>
             <a:fld id="{44A64D3A-A738-4339-AD7D-FB60B4627BEE}" type="datetimeFigureOut">
               <a:rPr lang="ko-KR" altLang="en-US" smtClean="0"/>
-              <a:t>2019-05-14</a:t>
+              <a:t>2019-06-04</a:t>
             </a:fld>
             <a:endParaRPr lang="ko-KR" altLang="en-US"/>
           </a:p>
@@ -415,7 +415,7 @@
           <a:p>
             <a:fld id="{8A9E76FE-511A-463A-A23A-880B11D59838}" type="datetimeFigureOut">
               <a:rPr lang="ko-KR" altLang="en-US" smtClean="0"/>
-              <a:t>2019-05-14</a:t>
+              <a:t>2019-06-04</a:t>
             </a:fld>
             <a:endParaRPr lang="ko-KR" altLang="en-US"/>
           </a:p>
@@ -815,7 +815,7 @@
           <a:p>
             <a:fld id="{B43E3ED5-80B8-4144-9929-A42606628B9D}" type="datetime1">
               <a:rPr lang="ko-KR" altLang="en-US" smtClean="0"/>
-              <a:t>2019-05-14</a:t>
+              <a:t>2019-06-04</a:t>
             </a:fld>
             <a:endParaRPr lang="ko-KR" altLang="en-US"/>
           </a:p>
@@ -1013,7 +1013,7 @@
           <a:p>
             <a:fld id="{6882C054-07EC-440E-8C96-F38EE7A6F55E}" type="datetime1">
               <a:rPr lang="ko-KR" altLang="en-US" smtClean="0"/>
-              <a:t>2019-05-14</a:t>
+              <a:t>2019-06-04</a:t>
             </a:fld>
             <a:endParaRPr lang="ko-KR" altLang="en-US"/>
           </a:p>
@@ -1209,7 +1209,7 @@
           <a:p>
             <a:fld id="{A7CF8463-4C74-494F-8BB0-52516AD46AC5}" type="datetime1">
               <a:rPr lang="ko-KR" altLang="en-US" smtClean="0"/>
-              <a:t>2019-05-14</a:t>
+              <a:t>2019-06-04</a:t>
             </a:fld>
             <a:endParaRPr lang="ko-KR" altLang="en-US"/>
           </a:p>
@@ -1422,7 +1422,7 @@
           <a:p>
             <a:fld id="{DD2FCD19-07B1-4B7B-AE0D-4C78C90C0A8C}" type="datetime1">
               <a:rPr lang="ko-KR" altLang="en-US" smtClean="0"/>
-              <a:t>2019-05-14</a:t>
+              <a:t>2019-06-04</a:t>
             </a:fld>
             <a:endParaRPr lang="ko-KR" altLang="en-US"/>
           </a:p>
@@ -1791,7 +1791,7 @@
           <a:p>
             <a:fld id="{2725EB48-6D9C-4DEA-8D03-DB88C057E8BD}" type="datetime1">
               <a:rPr lang="ko-KR" altLang="en-US" smtClean="0"/>
-              <a:t>2019-05-14</a:t>
+              <a:t>2019-06-04</a:t>
             </a:fld>
             <a:endParaRPr lang="ko-KR" altLang="en-US"/>
           </a:p>
@@ -2039,7 +2039,7 @@
           <a:p>
             <a:fld id="{3ACAE333-166A-4DE7-B6CC-7876592C5FD8}" type="datetime1">
               <a:rPr lang="ko-KR" altLang="en-US" smtClean="0"/>
-              <a:t>2019-05-14</a:t>
+              <a:t>2019-06-04</a:t>
             </a:fld>
             <a:endParaRPr lang="ko-KR" altLang="en-US"/>
           </a:p>
@@ -2422,7 +2422,7 @@
           <a:p>
             <a:fld id="{B742EE1D-08E8-433A-9E6F-0F27EF89523F}" type="datetime1">
               <a:rPr lang="ko-KR" altLang="en-US" smtClean="0"/>
-              <a:t>2019-05-14</a:t>
+              <a:t>2019-06-04</a:t>
             </a:fld>
             <a:endParaRPr lang="ko-KR" altLang="en-US"/>
           </a:p>
@@ -2556,7 +2556,7 @@
           <a:p>
             <a:fld id="{90B888A4-B401-4535-BD48-93B6A878F28C}" type="datetime1">
               <a:rPr lang="ko-KR" altLang="en-US" smtClean="0"/>
-              <a:t>2019-05-14</a:t>
+              <a:t>2019-06-04</a:t>
             </a:fld>
             <a:endParaRPr lang="ko-KR" altLang="en-US"/>
           </a:p>
@@ -2667,7 +2667,7 @@
           <a:p>
             <a:fld id="{6B6846DB-FF38-4FDF-AB9E-ABE67D64790D}" type="datetime1">
               <a:rPr lang="ko-KR" altLang="en-US" smtClean="0"/>
-              <a:t>2019-05-14</a:t>
+              <a:t>2019-06-04</a:t>
             </a:fld>
             <a:endParaRPr lang="ko-KR" altLang="en-US"/>
           </a:p>
@@ -2960,7 +2960,7 @@
           <a:p>
             <a:fld id="{EA2FA4DD-56BE-4ACE-B7FE-D37DB6C4D4EB}" type="datetime1">
               <a:rPr lang="ko-KR" altLang="en-US" smtClean="0"/>
-              <a:t>2019-05-14</a:t>
+              <a:t>2019-06-04</a:t>
             </a:fld>
             <a:endParaRPr lang="ko-KR" altLang="en-US"/>
           </a:p>
@@ -3229,7 +3229,7 @@
           <a:p>
             <a:fld id="{7A0950F1-2A48-4683-9431-9F81CF53F3F6}" type="datetime1">
               <a:rPr lang="ko-KR" altLang="en-US" smtClean="0"/>
-              <a:t>2019-05-14</a:t>
+              <a:t>2019-06-04</a:t>
             </a:fld>
             <a:endParaRPr lang="ko-KR" altLang="en-US"/>
           </a:p>
@@ -3458,7 +3458,7 @@
           <a:p>
             <a:fld id="{374FC5E7-08BA-4296-98AE-D42EAA86C4E3}" type="datetime1">
               <a:rPr lang="ko-KR" altLang="en-US" smtClean="0"/>
-              <a:t>2019-05-14</a:t>
+              <a:t>2019-06-04</a:t>
             </a:fld>
             <a:endParaRPr lang="ko-KR" altLang="en-US"/>
           </a:p>
@@ -4604,19 +4604,11 @@
             </a:pPr>
             <a:r>
               <a:rPr lang="ko-KR" altLang="en-US" dirty="0" smtClean="0"/>
-              <a:t>실행 화면</a:t>
-            </a:r>
-            <a:r>
-              <a:rPr lang="en-US" altLang="ko-KR" dirty="0"/>
-              <a:t> </a:t>
-            </a:r>
-            <a:r>
-              <a:rPr lang="en-US" altLang="ko-KR" dirty="0" smtClean="0"/>
-              <a:t>- </a:t>
+              <a:t>실행 </a:t>
             </a:r>
             <a:r>
               <a:rPr lang="ko-KR" altLang="en-US" dirty="0" smtClean="0"/>
-              <a:t>동영상</a:t>
+              <a:t>영상</a:t>
             </a:r>
             <a:endParaRPr lang="en-US" altLang="ko-KR" dirty="0" smtClean="0"/>
           </a:p>
@@ -5072,7 +5064,11 @@
           <a:p>
             <a:r>
               <a:rPr lang="ko-KR" altLang="en-US" dirty="0" smtClean="0"/>
-              <a:t>실행 화면</a:t>
+              <a:t>실행 </a:t>
+            </a:r>
+            <a:r>
+              <a:rPr lang="ko-KR" altLang="en-US" dirty="0" smtClean="0"/>
+              <a:t>영상</a:t>
             </a:r>
             <a:endParaRPr lang="ko-KR" altLang="en-US" dirty="0"/>
           </a:p>

--- a/4. 프로젝트발표양식.pptx
+++ b/4. 프로젝트발표양식.pptx
@@ -4604,11 +4604,7 @@
             </a:pPr>
             <a:r>
               <a:rPr lang="ko-KR" altLang="en-US" dirty="0" smtClean="0"/>
-              <a:t>실행 </a:t>
-            </a:r>
-            <a:r>
-              <a:rPr lang="ko-KR" altLang="en-US" dirty="0" smtClean="0"/>
-              <a:t>영상</a:t>
+              <a:t>실행 영상</a:t>
             </a:r>
             <a:endParaRPr lang="en-US" altLang="ko-KR" dirty="0" smtClean="0"/>
           </a:p>
@@ -5064,11 +5060,7 @@
           <a:p>
             <a:r>
               <a:rPr lang="ko-KR" altLang="en-US" dirty="0" smtClean="0"/>
-              <a:t>실행 </a:t>
-            </a:r>
-            <a:r>
-              <a:rPr lang="ko-KR" altLang="en-US" dirty="0" smtClean="0"/>
-              <a:t>영상</a:t>
+              <a:t>실행 영상</a:t>
             </a:r>
             <a:endParaRPr lang="ko-KR" altLang="en-US" dirty="0"/>
           </a:p>
@@ -5089,6 +5081,10 @@
           <a:bodyPr/>
           <a:lstStyle/>
           <a:p>
+            <a:r>
+              <a:rPr lang="en-US" altLang="ko-KR" smtClean="0"/>
+              <a:t>    </a:t>
+            </a:r>
             <a:endParaRPr lang="ko-KR" altLang="en-US"/>
           </a:p>
         </p:txBody>
